--- a/07pat/ECDLtheme.pptx
+++ b/07pat/ECDLtheme.pptx
@@ -302,7 +302,8 @@
           <a:p>
             <a:fld id="{1BDDF4DD-0E82-4106-AFA8-2EE49E3500D8}" type="datetimeFigureOut">
               <a:rPr lang="en-GB" smtClean="0"/>
-              <a:t>23/02/2014</a:t>
+              <a:pPr/>
+              <a:t>06/03/2016</a:t>
             </a:fld>
             <a:endParaRPr lang="en-GB"/>
           </a:p>
@@ -344,6 +345,7 @@
           <a:p>
             <a:fld id="{80BDF1D5-3DF1-493C-83B1-A587EA83D100}" type="slidenum">
               <a:rPr lang="en-GB" smtClean="0"/>
+              <a:pPr/>
               <a:t>‹#›</a:t>
             </a:fld>
             <a:endParaRPr lang="en-GB"/>
@@ -397,7 +399,7 @@
           <a:blip r:embed="rId2" cstate="print">
             <a:extLst>
               <a:ext uri="{28A0092B-C50C-407E-A947-70E740481C1C}">
-                <a14:useLocalDpi xmlns:a14="http://schemas.microsoft.com/office/drawing/2010/main" val="0"/>
+                <a14:useLocalDpi xmlns:a14="http://schemas.microsoft.com/office/drawing/2010/main" xmlns="" val="0"/>
               </a:ext>
             </a:extLst>
           </a:blip>
@@ -415,7 +417,7 @@
           <a:noFill/>
           <a:extLst>
             <a:ext uri="{909E8E84-426E-40DD-AFC4-6F175D3DCCD1}">
-              <a14:hiddenFill xmlns:a14="http://schemas.microsoft.com/office/drawing/2010/main">
+              <a14:hiddenFill xmlns:a14="http://schemas.microsoft.com/office/drawing/2010/main" xmlns="">
                 <a:solidFill>
                   <a:srgbClr val="FFFFFF"/>
                 </a:solidFill>
@@ -541,7 +543,8 @@
           <a:p>
             <a:fld id="{1BDDF4DD-0E82-4106-AFA8-2EE49E3500D8}" type="datetimeFigureOut">
               <a:rPr lang="en-GB" smtClean="0"/>
-              <a:t>23/02/2014</a:t>
+              <a:pPr/>
+              <a:t>06/03/2016</a:t>
             </a:fld>
             <a:endParaRPr lang="en-GB"/>
           </a:p>
@@ -583,6 +586,7 @@
           <a:p>
             <a:fld id="{80BDF1D5-3DF1-493C-83B1-A587EA83D100}" type="slidenum">
               <a:rPr lang="en-GB" smtClean="0"/>
+              <a:pPr/>
               <a:t>‹#›</a:t>
             </a:fld>
             <a:endParaRPr lang="en-GB"/>
@@ -716,7 +720,8 @@
           <a:p>
             <a:fld id="{1BDDF4DD-0E82-4106-AFA8-2EE49E3500D8}" type="datetimeFigureOut">
               <a:rPr lang="en-GB" smtClean="0"/>
-              <a:t>23/02/2014</a:t>
+              <a:pPr/>
+              <a:t>06/03/2016</a:t>
             </a:fld>
             <a:endParaRPr lang="en-GB"/>
           </a:p>
@@ -758,6 +763,7 @@
           <a:p>
             <a:fld id="{80BDF1D5-3DF1-493C-83B1-A587EA83D100}" type="slidenum">
               <a:rPr lang="en-GB" smtClean="0"/>
+              <a:pPr/>
               <a:t>‹#›</a:t>
             </a:fld>
             <a:endParaRPr lang="en-GB"/>
@@ -895,7 +901,8 @@
           <a:p>
             <a:fld id="{1BDDF4DD-0E82-4106-AFA8-2EE49E3500D8}" type="datetimeFigureOut">
               <a:rPr lang="en-GB" smtClean="0"/>
-              <a:t>23/02/2014</a:t>
+              <a:pPr/>
+              <a:t>06/03/2016</a:t>
             </a:fld>
             <a:endParaRPr lang="en-GB"/>
           </a:p>
@@ -937,6 +944,7 @@
           <a:p>
             <a:fld id="{80BDF1D5-3DF1-493C-83B1-A587EA83D100}" type="slidenum">
               <a:rPr lang="en-GB" smtClean="0"/>
+              <a:pPr/>
               <a:t>‹#›</a:t>
             </a:fld>
             <a:endParaRPr lang="en-GB"/>
@@ -955,7 +963,7 @@
           <a:blip r:embed="rId2" cstate="print">
             <a:extLst>
               <a:ext uri="{28A0092B-C50C-407E-A947-70E740481C1C}">
-                <a14:useLocalDpi xmlns:a14="http://schemas.microsoft.com/office/drawing/2010/main" val="0"/>
+                <a14:useLocalDpi xmlns:a14="http://schemas.microsoft.com/office/drawing/2010/main" xmlns="" val="0"/>
               </a:ext>
             </a:extLst>
           </a:blip>
@@ -973,7 +981,7 @@
           <a:noFill/>
           <a:extLst>
             <a:ext uri="{909E8E84-426E-40DD-AFC4-6F175D3DCCD1}">
-              <a14:hiddenFill xmlns:a14="http://schemas.microsoft.com/office/drawing/2010/main">
+              <a14:hiddenFill xmlns:a14="http://schemas.microsoft.com/office/drawing/2010/main" xmlns="">
                 <a:solidFill>
                   <a:srgbClr val="FFFFFF"/>
                 </a:solidFill>
@@ -1182,7 +1190,8 @@
           <a:p>
             <a:fld id="{1BDDF4DD-0E82-4106-AFA8-2EE49E3500D8}" type="datetimeFigureOut">
               <a:rPr lang="en-GB" smtClean="0"/>
-              <a:t>23/02/2014</a:t>
+              <a:pPr/>
+              <a:t>06/03/2016</a:t>
             </a:fld>
             <a:endParaRPr lang="en-GB"/>
           </a:p>
@@ -1224,6 +1233,7 @@
           <a:p>
             <a:fld id="{80BDF1D5-3DF1-493C-83B1-A587EA83D100}" type="slidenum">
               <a:rPr lang="en-GB" smtClean="0"/>
+              <a:pPr/>
               <a:t>‹#›</a:t>
             </a:fld>
             <a:endParaRPr lang="en-GB"/>
@@ -1500,7 +1510,8 @@
           <a:p>
             <a:fld id="{1BDDF4DD-0E82-4106-AFA8-2EE49E3500D8}" type="datetimeFigureOut">
               <a:rPr lang="en-GB" smtClean="0"/>
-              <a:t>23/02/2014</a:t>
+              <a:pPr/>
+              <a:t>06/03/2016</a:t>
             </a:fld>
             <a:endParaRPr lang="en-GB"/>
           </a:p>
@@ -1542,6 +1553,7 @@
           <a:p>
             <a:fld id="{80BDF1D5-3DF1-493C-83B1-A587EA83D100}" type="slidenum">
               <a:rPr lang="en-GB" smtClean="0"/>
+              <a:pPr/>
               <a:t>‹#›</a:t>
             </a:fld>
             <a:endParaRPr lang="en-GB"/>
@@ -1966,7 +1978,8 @@
           <a:p>
             <a:fld id="{1BDDF4DD-0E82-4106-AFA8-2EE49E3500D8}" type="datetimeFigureOut">
               <a:rPr lang="en-GB" smtClean="0"/>
-              <a:t>23/02/2014</a:t>
+              <a:pPr/>
+              <a:t>06/03/2016</a:t>
             </a:fld>
             <a:endParaRPr lang="en-GB"/>
           </a:p>
@@ -2008,6 +2021,7 @@
           <a:p>
             <a:fld id="{80BDF1D5-3DF1-493C-83B1-A587EA83D100}" type="slidenum">
               <a:rPr lang="en-GB" smtClean="0"/>
+              <a:pPr/>
               <a:t>‹#›</a:t>
             </a:fld>
             <a:endParaRPr lang="en-GB"/>
@@ -2114,7 +2128,8 @@
           <a:p>
             <a:fld id="{1BDDF4DD-0E82-4106-AFA8-2EE49E3500D8}" type="datetimeFigureOut">
               <a:rPr lang="en-GB" smtClean="0"/>
-              <a:t>23/02/2014</a:t>
+              <a:pPr/>
+              <a:t>06/03/2016</a:t>
             </a:fld>
             <a:endParaRPr lang="en-GB"/>
           </a:p>
@@ -2156,6 +2171,7 @@
           <a:p>
             <a:fld id="{80BDF1D5-3DF1-493C-83B1-A587EA83D100}" type="slidenum">
               <a:rPr lang="en-GB" smtClean="0"/>
+              <a:pPr/>
               <a:t>‹#›</a:t>
             </a:fld>
             <a:endParaRPr lang="en-GB"/>
@@ -2204,7 +2220,8 @@
           <a:p>
             <a:fld id="{1BDDF4DD-0E82-4106-AFA8-2EE49E3500D8}" type="datetimeFigureOut">
               <a:rPr lang="en-GB" smtClean="0"/>
-              <a:t>23/02/2014</a:t>
+              <a:pPr/>
+              <a:t>06/03/2016</a:t>
             </a:fld>
             <a:endParaRPr lang="en-GB"/>
           </a:p>
@@ -2246,6 +2263,7 @@
           <a:p>
             <a:fld id="{80BDF1D5-3DF1-493C-83B1-A587EA83D100}" type="slidenum">
               <a:rPr lang="en-GB" smtClean="0"/>
+              <a:pPr/>
               <a:t>‹#›</a:t>
             </a:fld>
             <a:endParaRPr lang="en-GB"/>
@@ -2478,7 +2496,8 @@
           <a:p>
             <a:fld id="{1BDDF4DD-0E82-4106-AFA8-2EE49E3500D8}" type="datetimeFigureOut">
               <a:rPr lang="en-GB" smtClean="0"/>
-              <a:t>23/02/2014</a:t>
+              <a:pPr/>
+              <a:t>06/03/2016</a:t>
             </a:fld>
             <a:endParaRPr lang="en-GB"/>
           </a:p>
@@ -2520,6 +2539,7 @@
           <a:p>
             <a:fld id="{80BDF1D5-3DF1-493C-83B1-A587EA83D100}" type="slidenum">
               <a:rPr lang="en-GB" smtClean="0"/>
+              <a:pPr/>
               <a:t>‹#›</a:t>
             </a:fld>
             <a:endParaRPr lang="en-GB"/>
@@ -2783,7 +2803,8 @@
           <a:p>
             <a:fld id="{1BDDF4DD-0E82-4106-AFA8-2EE49E3500D8}" type="datetimeFigureOut">
               <a:rPr lang="en-GB" smtClean="0"/>
-              <a:t>23/02/2014</a:t>
+              <a:pPr/>
+              <a:t>06/03/2016</a:t>
             </a:fld>
             <a:endParaRPr lang="en-GB"/>
           </a:p>
@@ -2825,6 +2846,7 @@
           <a:p>
             <a:fld id="{80BDF1D5-3DF1-493C-83B1-A587EA83D100}" type="slidenum">
               <a:rPr lang="en-GB" smtClean="0"/>
+              <a:pPr/>
               <a:t>‹#›</a:t>
             </a:fld>
             <a:endParaRPr lang="en-GB"/>
@@ -3081,7 +3103,8 @@
           <a:p>
             <a:fld id="{1BDDF4DD-0E82-4106-AFA8-2EE49E3500D8}" type="datetimeFigureOut">
               <a:rPr lang="en-GB" smtClean="0"/>
-              <a:t>23/02/2014</a:t>
+              <a:pPr/>
+              <a:t>06/03/2016</a:t>
             </a:fld>
             <a:endParaRPr lang="en-GB"/>
           </a:p>
@@ -3155,6 +3178,7 @@
           <a:p>
             <a:fld id="{80BDF1D5-3DF1-493C-83B1-A587EA83D100}" type="slidenum">
               <a:rPr lang="en-GB" smtClean="0"/>
+              <a:pPr/>
               <a:t>‹#›</a:t>
             </a:fld>
             <a:endParaRPr lang="en-GB"/>
@@ -3527,7 +3551,7 @@
     </p:spTree>
     <p:extLst>
       <p:ext uri="{BB962C8B-B14F-4D97-AF65-F5344CB8AC3E}">
-        <p14:creationId xmlns:p14="http://schemas.microsoft.com/office/powerpoint/2010/main" val="4082318503"/>
+        <p14:creationId xmlns:p14="http://schemas.microsoft.com/office/powerpoint/2010/main" xmlns="" val="4082318503"/>
       </p:ext>
     </p:extLst>
   </p:cSld>
@@ -3668,10 +3692,10 @@
           <p:nvPr/>
         </p:nvPicPr>
         <p:blipFill>
-          <a:blip r:embed="rId2">
+          <a:blip r:embed="rId2" cstate="print">
             <a:extLst>
               <a:ext uri="{28A0092B-C50C-407E-A947-70E740481C1C}">
-                <a14:useLocalDpi xmlns:a14="http://schemas.microsoft.com/office/drawing/2010/main" val="0"/>
+                <a14:useLocalDpi xmlns:a14="http://schemas.microsoft.com/office/drawing/2010/main" xmlns="" val="0"/>
               </a:ext>
             </a:extLst>
           </a:blip>
@@ -3691,7 +3715,7 @@
           <a:noFill/>
           <a:extLst>
             <a:ext uri="{909E8E84-426E-40DD-AFC4-6F175D3DCCD1}">
-              <a14:hiddenFill xmlns:a14="http://schemas.microsoft.com/office/drawing/2010/main">
+              <a14:hiddenFill xmlns:a14="http://schemas.microsoft.com/office/drawing/2010/main" xmlns="">
                 <a:solidFill>
                   <a:srgbClr val="FFFFFF"/>
                 </a:solidFill>
@@ -3703,7 +3727,7 @@
     </p:spTree>
     <p:extLst>
       <p:ext uri="{BB962C8B-B14F-4D97-AF65-F5344CB8AC3E}">
-        <p14:creationId xmlns:p14="http://schemas.microsoft.com/office/powerpoint/2010/main" val="1616724772"/>
+        <p14:creationId xmlns:p14="http://schemas.microsoft.com/office/powerpoint/2010/main" xmlns="" val="1616724772"/>
       </p:ext>
     </p:extLst>
   </p:cSld>
@@ -4588,10 +4612,10 @@
           <p:nvPr/>
         </p:nvPicPr>
         <p:blipFill>
-          <a:blip r:embed="rId3">
+          <a:blip r:embed="rId3" cstate="print">
             <a:extLst>
               <a:ext uri="{28A0092B-C50C-407E-A947-70E740481C1C}">
-                <a14:useLocalDpi xmlns:a14="http://schemas.microsoft.com/office/drawing/2010/main" val="0"/>
+                <a14:useLocalDpi xmlns:a14="http://schemas.microsoft.com/office/drawing/2010/main" xmlns="" val="0"/>
               </a:ext>
             </a:extLst>
           </a:blip>
@@ -4611,7 +4635,7 @@
           <a:noFill/>
           <a:extLst>
             <a:ext uri="{909E8E84-426E-40DD-AFC4-6F175D3DCCD1}">
-              <a14:hiddenFill xmlns:a14="http://schemas.microsoft.com/office/drawing/2010/main">
+              <a14:hiddenFill xmlns:a14="http://schemas.microsoft.com/office/drawing/2010/main" xmlns="">
                 <a:solidFill>
                   <a:srgbClr val="FFFFFF"/>
                 </a:solidFill>
@@ -4623,7 +4647,7 @@
     </p:spTree>
     <p:extLst>
       <p:ext uri="{BB962C8B-B14F-4D97-AF65-F5344CB8AC3E}">
-        <p14:creationId xmlns:p14="http://schemas.microsoft.com/office/powerpoint/2010/main" val="970620059"/>
+        <p14:creationId xmlns:p14="http://schemas.microsoft.com/office/powerpoint/2010/main" xmlns="" val="970620059"/>
       </p:ext>
     </p:extLst>
   </p:cSld>
@@ -4800,10 +4824,10 @@
           <p:nvPr/>
         </p:nvPicPr>
         <p:blipFill>
-          <a:blip r:embed="rId2">
+          <a:blip r:embed="rId2" cstate="print">
             <a:extLst>
               <a:ext uri="{28A0092B-C50C-407E-A947-70E740481C1C}">
-                <a14:useLocalDpi xmlns:a14="http://schemas.microsoft.com/office/drawing/2010/main" val="0"/>
+                <a14:useLocalDpi xmlns:a14="http://schemas.microsoft.com/office/drawing/2010/main" xmlns="" val="0"/>
               </a:ext>
             </a:extLst>
           </a:blip>
@@ -4823,7 +4847,7 @@
           <a:noFill/>
           <a:extLst>
             <a:ext uri="{909E8E84-426E-40DD-AFC4-6F175D3DCCD1}">
-              <a14:hiddenFill xmlns:a14="http://schemas.microsoft.com/office/drawing/2010/main">
+              <a14:hiddenFill xmlns:a14="http://schemas.microsoft.com/office/drawing/2010/main" xmlns="">
                 <a:solidFill>
                   <a:srgbClr val="FFFFFF"/>
                 </a:solidFill>
@@ -4835,7 +4859,7 @@
     </p:spTree>
     <p:extLst>
       <p:ext uri="{BB962C8B-B14F-4D97-AF65-F5344CB8AC3E}">
-        <p14:creationId xmlns:p14="http://schemas.microsoft.com/office/powerpoint/2010/main" val="4198358110"/>
+        <p14:creationId xmlns:p14="http://schemas.microsoft.com/office/powerpoint/2010/main" xmlns="" val="4198358110"/>
       </p:ext>
     </p:extLst>
   </p:cSld>
@@ -4886,7 +4910,7 @@
           <a:p>
             <a:r>
               <a:rPr lang="en-GB" dirty="0" smtClean="0"/>
-              <a:t>Review</a:t>
+              <a:t>Plenary</a:t>
             </a:r>
             <a:endParaRPr lang="en-GB" dirty="0"/>
           </a:p>
@@ -4994,10 +5018,10 @@
           <p:nvPr/>
         </p:nvPicPr>
         <p:blipFill>
-          <a:blip r:embed="rId2">
+          <a:blip r:embed="rId2" cstate="print">
             <a:extLst>
               <a:ext uri="{28A0092B-C50C-407E-A947-70E740481C1C}">
-                <a14:useLocalDpi xmlns:a14="http://schemas.microsoft.com/office/drawing/2010/main" val="0"/>
+                <a14:useLocalDpi xmlns:a14="http://schemas.microsoft.com/office/drawing/2010/main" xmlns="" val="0"/>
               </a:ext>
             </a:extLst>
           </a:blip>
@@ -5017,7 +5041,7 @@
           <a:noFill/>
           <a:extLst>
             <a:ext uri="{909E8E84-426E-40DD-AFC4-6F175D3DCCD1}">
-              <a14:hiddenFill xmlns:a14="http://schemas.microsoft.com/office/drawing/2010/main">
+              <a14:hiddenFill xmlns:a14="http://schemas.microsoft.com/office/drawing/2010/main" xmlns="">
                 <a:solidFill>
                   <a:srgbClr val="FFFFFF"/>
                 </a:solidFill>
@@ -5029,7 +5053,7 @@
     </p:spTree>
     <p:extLst>
       <p:ext uri="{BB962C8B-B14F-4D97-AF65-F5344CB8AC3E}">
-        <p14:creationId xmlns:p14="http://schemas.microsoft.com/office/powerpoint/2010/main" val="3258433848"/>
+        <p14:creationId xmlns:p14="http://schemas.microsoft.com/office/powerpoint/2010/main" xmlns="" val="3258433848"/>
       </p:ext>
     </p:extLst>
   </p:cSld>
@@ -5172,7 +5196,7 @@
           <a:blip r:embed="rId2" cstate="print">
             <a:extLst>
               <a:ext uri="{BEBA8EAE-BF5A-486C-A8C5-ECC9F3942E4B}">
-                <a14:imgProps xmlns:a14="http://schemas.microsoft.com/office/drawing/2010/main">
+                <a14:imgProps xmlns:a14="http://schemas.microsoft.com/office/drawing/2010/main" xmlns="">
                   <a14:imgLayer r:embed="rId3">
                     <a14:imgEffect>
                       <a14:backgroundRemoval t="0" b="100000" l="0" r="92662">
@@ -5188,7 +5212,7 @@
                 </a14:imgProps>
               </a:ext>
               <a:ext uri="{28A0092B-C50C-407E-A947-70E740481C1C}">
-                <a14:useLocalDpi xmlns:a14="http://schemas.microsoft.com/office/drawing/2010/main" val="0"/>
+                <a14:useLocalDpi xmlns:a14="http://schemas.microsoft.com/office/drawing/2010/main" xmlns="" val="0"/>
               </a:ext>
             </a:extLst>
           </a:blip>
@@ -5206,7 +5230,7 @@
           <a:noFill/>
           <a:extLst>
             <a:ext uri="{909E8E84-426E-40DD-AFC4-6F175D3DCCD1}">
-              <a14:hiddenFill xmlns:a14="http://schemas.microsoft.com/office/drawing/2010/main">
+              <a14:hiddenFill xmlns:a14="http://schemas.microsoft.com/office/drawing/2010/main" xmlns="">
                 <a:solidFill>
                   <a:srgbClr val="FFFFFF"/>
                 </a:solidFill>
@@ -5218,7 +5242,7 @@
     </p:spTree>
     <p:extLst>
       <p:ext uri="{BB962C8B-B14F-4D97-AF65-F5344CB8AC3E}">
-        <p14:creationId xmlns:p14="http://schemas.microsoft.com/office/powerpoint/2010/main" val="544654409"/>
+        <p14:creationId xmlns:p14="http://schemas.microsoft.com/office/powerpoint/2010/main" xmlns="" val="544654409"/>
       </p:ext>
     </p:extLst>
   </p:cSld>
